--- a/2. DB & JDBC/JDBC/OOP 기본 원리를 적용한 데이터베이스 연동.pptx
+++ b/2. DB & JDBC/JDBC/OOP 기본 원리를 적용한 데이터베이스 연동.pptx
@@ -122,7 +122,7 @@
   </p:defaultTextStyle>
   <p:extLst>
     <p:ext uri="{EFAFB233-063F-42B5-8137-9DF3F51BA10A}">
-      <p15:sldGuideLst xmlns:p15="http://schemas.microsoft.com/office/powerpoint/2012/main">
+      <p15:sldGuideLst xmlns:p15="http://schemas.microsoft.com/office/powerpoint/2012/main" xmlns="">
         <p15:guide id="1" orient="horz" pos="2098">
           <p15:clr>
             <a:srgbClr val="A4A3A4"/>
@@ -136,7 +136,7 @@
       </p15:sldGuideLst>
     </p:ext>
     <p:ext uri="{2D200454-40CA-4A62-9FC3-DE9A4176ACB9}">
-      <p15:notesGuideLst xmlns:p15="http://schemas.microsoft.com/office/powerpoint/2012/main">
+      <p15:notesGuideLst xmlns:p15="http://schemas.microsoft.com/office/powerpoint/2012/main" xmlns="">
         <p15:guide id="1" orient="horz" pos="2880">
           <p15:clr>
             <a:srgbClr val="A4A3A4"/>
@@ -236,7 +236,7 @@
             <a:fld id="{A39E5891-A530-4395-96D5-7BC1F4DEF44D}" type="datetimeFigureOut">
               <a:rPr lang="ko-KR" altLang="en-US" smtClean="0"/>
               <a:pPr/>
-              <a:t>2018-03-20</a:t>
+              <a:t>2018-09-28</a:t>
             </a:fld>
             <a:endParaRPr lang="ko-KR" altLang="en-US"/>
           </a:p>
@@ -403,7 +403,7 @@
             <a:fld id="{CF896B77-A7C6-4E39-B4EE-FFB3194A2229}" type="datetimeFigureOut">
               <a:rPr lang="ko-KR" altLang="en-US" smtClean="0"/>
               <a:pPr/>
-              <a:t>2018-03-20</a:t>
+              <a:t>2018-09-28</a:t>
             </a:fld>
             <a:endParaRPr lang="ko-KR" altLang="en-US"/>
           </a:p>
@@ -2996,6 +2996,44 @@
           </a:extLst>
         </p:spPr>
       </p:pic>
+      <p:sp>
+        <p:nvSpPr>
+          <p:cNvPr id="4" name="TextBox 3"/>
+          <p:cNvSpPr txBox="1"/>
+          <p:nvPr/>
+        </p:nvSpPr>
+        <p:spPr>
+          <a:xfrm>
+            <a:off x="5097016" y="4940254"/>
+            <a:ext cx="4104457" cy="276999"/>
+          </a:xfrm>
+          <a:prstGeom prst="rect">
+            <a:avLst/>
+          </a:prstGeom>
+          <a:noFill/>
+        </p:spPr>
+        <p:txBody>
+          <a:bodyPr wrap="square" rtlCol="0">
+            <a:spAutoFit/>
+          </a:bodyPr>
+          <a:lstStyle/>
+          <a:p>
+            <a:r>
+              <a:rPr lang="ko-KR" altLang="en-US" sz="1200" dirty="0" smtClean="0"/>
+              <a:t>실제 이 관계도 필요 없이 </a:t>
+            </a:r>
+            <a:r>
+              <a:rPr lang="en-US" altLang="ko-KR" sz="1200" dirty="0" err="1" smtClean="0"/>
+              <a:t>DataSource</a:t>
+            </a:r>
+            <a:r>
+              <a:rPr lang="ko-KR" altLang="en-US" sz="1200" dirty="0" smtClean="0"/>
+              <a:t>를 활용하면 된다</a:t>
+            </a:r>
+            <a:endParaRPr lang="ko-KR" altLang="en-US" sz="1200" dirty="0"/>
+          </a:p>
+        </p:txBody>
+      </p:sp>
     </p:spTree>
   </p:cSld>
   <p:clrMapOvr>
@@ -3041,7 +3079,7 @@
         <p:spPr/>
         <p:txBody>
           <a:bodyPr>
-            <a:normAutofit fontScale="92500"/>
+            <a:normAutofit lnSpcReduction="10000"/>
           </a:bodyPr>
           <a:lstStyle/>
           <a:p>
